--- a/Brick_Breaker/hy474_BrickBreakerPresentation.pptx
+++ b/Brick_Breaker/hy474_BrickBreakerPresentation.pptx
@@ -11,7 +11,7 @@
     <p:sldId id="260" r:id="rId5"/>
     <p:sldId id="261" r:id="rId6"/>
   </p:sldIdLst>
-  <p:sldSz cx="12192000" cy="6858000"/>
+  <p:sldSz cx="9144000" cy="6858000" type="screen4x3"/>
   <p:notesSz cx="6858000" cy="9144000"/>
   <p:defaultTextStyle>
     <a:defPPr>
@@ -136,8 +136,8 @@
         </p:nvSpPr>
         <p:spPr>
           <a:xfrm>
-            <a:off x="446534" y="3085765"/>
-            <a:ext cx="11262866" cy="3304800"/>
+            <a:off x="334900" y="3085765"/>
+            <a:ext cx="8447150" cy="3304800"/>
           </a:xfrm>
           <a:prstGeom prst="rect">
             <a:avLst/>
@@ -177,8 +177,8 @@
         </p:nvSpPr>
         <p:spPr>
           <a:xfrm>
-            <a:off x="581191" y="1020431"/>
-            <a:ext cx="10993549" cy="1475013"/>
+            <a:off x="435894" y="1020434"/>
+            <a:ext cx="8245161" cy="1475013"/>
           </a:xfrm>
           <a:effectLst/>
         </p:spPr>
@@ -216,8 +216,8 @@
         </p:nvSpPr>
         <p:spPr>
           <a:xfrm>
-            <a:off x="581194" y="2495445"/>
-            <a:ext cx="10993546" cy="590321"/>
+            <a:off x="435896" y="2495447"/>
+            <a:ext cx="8245160" cy="590321"/>
           </a:xfrm>
         </p:spPr>
         <p:txBody>
@@ -335,8 +335,8 @@
         </p:nvSpPr>
         <p:spPr>
           <a:xfrm>
-            <a:off x="7605951" y="5956137"/>
-            <a:ext cx="2844800" cy="365125"/>
+            <a:off x="5704462" y="5956140"/>
+            <a:ext cx="2133600" cy="365125"/>
           </a:xfrm>
         </p:spPr>
         <p:txBody>
@@ -356,7 +356,8 @@
           <a:p>
             <a:fld id="{96DFF08F-DC6B-4601-B491-B0F83F6DD2DA}" type="datetimeFigureOut">
               <a:rPr lang="en-US" smtClean="0"/>
-              <a:t>5/26/2013</a:t>
+              <a:pPr/>
+              <a:t>5/27/2013</a:t>
             </a:fld>
             <a:endParaRPr lang="en-US" dirty="0"/>
           </a:p>
@@ -374,8 +375,8 @@
         </p:nvSpPr>
         <p:spPr>
           <a:xfrm>
-            <a:off x="581192" y="5951811"/>
-            <a:ext cx="6917210" cy="365125"/>
+            <a:off x="435895" y="5951814"/>
+            <a:ext cx="5187908" cy="365125"/>
           </a:xfrm>
         </p:spPr>
         <p:txBody>
@@ -409,8 +410,8 @@
         </p:nvSpPr>
         <p:spPr>
           <a:xfrm>
-            <a:off x="10558300" y="5956137"/>
-            <a:ext cx="1016440" cy="365125"/>
+            <a:off x="7918725" y="5956140"/>
+            <a:ext cx="762330" cy="365125"/>
           </a:xfrm>
         </p:spPr>
         <p:txBody>
@@ -430,6 +431,7 @@
           <a:p>
             <a:fld id="{4FAB73BC-B049-4115-A692-8D63A059BFB8}" type="slidenum">
               <a:rPr lang="en-US" smtClean="0"/>
+              <a:pPr/>
               <a:t>‹#›</a:t>
             </a:fld>
             <a:endParaRPr lang="en-US" dirty="0"/>
@@ -439,7 +441,7 @@
     </p:spTree>
     <p:extLst>
       <p:ext uri="{BB962C8B-B14F-4D97-AF65-F5344CB8AC3E}">
-        <p14:creationId xmlns:p14="http://schemas.microsoft.com/office/powerpoint/2010/main" val="1649157743"/>
+        <p14:creationId xmlns:p14="http://schemas.microsoft.com/office/powerpoint/2010/main" xmlns="" val="1649157743"/>
       </p:ext>
     </p:extLst>
   </p:cSld>
@@ -476,8 +478,8 @@
         </p:nvSpPr>
         <p:spPr>
           <a:xfrm>
-            <a:off x="440286" y="614407"/>
-            <a:ext cx="11309338" cy="1189298"/>
+            <a:off x="330216" y="614407"/>
+            <a:ext cx="8482004" cy="1189298"/>
           </a:xfrm>
           <a:prstGeom prst="rect">
             <a:avLst/>
@@ -517,8 +519,8 @@
         </p:nvSpPr>
         <p:spPr>
           <a:xfrm>
-            <a:off x="581192" y="702156"/>
-            <a:ext cx="11029616" cy="1013800"/>
+            <a:off x="435896" y="702156"/>
+            <a:ext cx="8272212" cy="1013800"/>
           </a:xfrm>
         </p:spPr>
         <p:txBody>
@@ -618,7 +620,8 @@
           <a:p>
             <a:fld id="{96DFF08F-DC6B-4601-B491-B0F83F6DD2DA}" type="datetimeFigureOut">
               <a:rPr lang="en-US" smtClean="0"/>
-              <a:t>5/26/2013</a:t>
+              <a:pPr/>
+              <a:t>5/27/2013</a:t>
             </a:fld>
             <a:endParaRPr lang="en-US" dirty="0"/>
           </a:p>
@@ -660,6 +663,7 @@
           <a:p>
             <a:fld id="{4FAB73BC-B049-4115-A692-8D63A059BFB8}" type="slidenum">
               <a:rPr lang="en-US" smtClean="0"/>
+              <a:pPr/>
               <a:t>‹#›</a:t>
             </a:fld>
             <a:endParaRPr lang="en-US" dirty="0"/>
@@ -669,7 +673,7 @@
     </p:spTree>
     <p:extLst>
       <p:ext uri="{BB962C8B-B14F-4D97-AF65-F5344CB8AC3E}">
-        <p14:creationId xmlns:p14="http://schemas.microsoft.com/office/powerpoint/2010/main" val="2475792586"/>
+        <p14:creationId xmlns:p14="http://schemas.microsoft.com/office/powerpoint/2010/main" xmlns="" val="2475792586"/>
       </p:ext>
     </p:extLst>
   </p:cSld>
@@ -706,8 +710,8 @@
         </p:nvSpPr>
         <p:spPr>
           <a:xfrm>
-            <a:off x="8839201" y="599725"/>
-            <a:ext cx="2906817" cy="5816950"/>
+            <a:off x="6629402" y="599725"/>
+            <a:ext cx="2180114" cy="5816950"/>
           </a:xfrm>
           <a:prstGeom prst="rect">
             <a:avLst/>
@@ -747,8 +751,8 @@
         </p:nvSpPr>
         <p:spPr>
           <a:xfrm>
-            <a:off x="8839201" y="675726"/>
-            <a:ext cx="2004164" cy="5183073"/>
+            <a:off x="6629402" y="675729"/>
+            <a:ext cx="1503123" cy="5183073"/>
           </a:xfrm>
         </p:spPr>
         <p:txBody>
@@ -775,8 +779,8 @@
         </p:nvSpPr>
         <p:spPr>
           <a:xfrm>
-            <a:off x="774923" y="675726"/>
-            <a:ext cx="7896279" cy="5183073"/>
+            <a:off x="581193" y="675729"/>
+            <a:ext cx="5922210" cy="5183073"/>
           </a:xfrm>
         </p:spPr>
         <p:txBody>
@@ -832,8 +836,8 @@
         </p:nvSpPr>
         <p:spPr>
           <a:xfrm>
-            <a:off x="8993673" y="5956137"/>
-            <a:ext cx="1328141" cy="365125"/>
+            <a:off x="6745257" y="5956140"/>
+            <a:ext cx="996105" cy="365125"/>
           </a:xfrm>
         </p:spPr>
         <p:txBody>
@@ -853,7 +857,8 @@
           <a:p>
             <a:fld id="{96DFF08F-DC6B-4601-B491-B0F83F6DD2DA}" type="datetimeFigureOut">
               <a:rPr lang="en-US" smtClean="0"/>
-              <a:t>5/26/2013</a:t>
+              <a:pPr/>
+              <a:t>5/27/2013</a:t>
             </a:fld>
             <a:endParaRPr lang="en-US" dirty="0"/>
           </a:p>
@@ -871,8 +876,8 @@
         </p:nvSpPr>
         <p:spPr>
           <a:xfrm>
-            <a:off x="774923" y="5951811"/>
-            <a:ext cx="7896279" cy="365125"/>
+            <a:off x="581193" y="5951814"/>
+            <a:ext cx="5922210" cy="365125"/>
           </a:xfrm>
         </p:spPr>
         <p:txBody>
@@ -895,8 +900,8 @@
         </p:nvSpPr>
         <p:spPr>
           <a:xfrm>
-            <a:off x="10446615" y="5956137"/>
-            <a:ext cx="1164195" cy="365125"/>
+            <a:off x="7834962" y="5956140"/>
+            <a:ext cx="873147" cy="365125"/>
           </a:xfrm>
         </p:spPr>
         <p:txBody>
@@ -916,6 +921,7 @@
           <a:p>
             <a:fld id="{4FAB73BC-B049-4115-A692-8D63A059BFB8}" type="slidenum">
               <a:rPr lang="en-US" smtClean="0"/>
+              <a:pPr/>
               <a:t>‹#›</a:t>
             </a:fld>
             <a:endParaRPr lang="en-US" dirty="0"/>
@@ -925,7 +931,7 @@
     </p:spTree>
     <p:extLst>
       <p:ext uri="{BB962C8B-B14F-4D97-AF65-F5344CB8AC3E}">
-        <p14:creationId xmlns:p14="http://schemas.microsoft.com/office/powerpoint/2010/main" val="4017136985"/>
+        <p14:creationId xmlns:p14="http://schemas.microsoft.com/office/powerpoint/2010/main" xmlns="" val="4017136985"/>
       </p:ext>
     </p:extLst>
   </p:cSld>
@@ -962,8 +968,8 @@
         </p:nvSpPr>
         <p:spPr>
           <a:xfrm>
-            <a:off x="440286" y="614407"/>
-            <a:ext cx="11309338" cy="1189298"/>
+            <a:off x="330216" y="614407"/>
+            <a:ext cx="8482004" cy="1189298"/>
           </a:xfrm>
           <a:prstGeom prst="rect">
             <a:avLst/>
@@ -1003,8 +1009,8 @@
         </p:nvSpPr>
         <p:spPr>
           <a:xfrm>
-            <a:off x="581192" y="702156"/>
-            <a:ext cx="11029616" cy="1013800"/>
+            <a:off x="435896" y="702156"/>
+            <a:ext cx="8272212" cy="1013800"/>
           </a:xfrm>
         </p:spPr>
         <p:txBody>
@@ -1031,8 +1037,8 @@
         </p:nvSpPr>
         <p:spPr>
           <a:xfrm>
-            <a:off x="581192" y="2180496"/>
-            <a:ext cx="11029615" cy="3678303"/>
+            <a:off x="435896" y="2180499"/>
+            <a:ext cx="8272210" cy="3678303"/>
           </a:xfrm>
         </p:spPr>
         <p:txBody>
@@ -1093,7 +1099,8 @@
           <a:p>
             <a:fld id="{D62CEF3B-A037-46D0-B02C-1428F07E9383}" type="datetimeFigureOut">
               <a:rPr lang="en-US" smtClean="0"/>
-              <a:t>5/26/2013</a:t>
+              <a:pPr/>
+              <a:t>5/27/2013</a:t>
             </a:fld>
             <a:endParaRPr lang="en-US" dirty="0"/>
           </a:p>
@@ -1130,8 +1137,8 @@
         </p:nvSpPr>
         <p:spPr>
           <a:xfrm>
-            <a:off x="10558300" y="5956137"/>
-            <a:ext cx="1052508" cy="365125"/>
+            <a:off x="7918726" y="5956140"/>
+            <a:ext cx="789381" cy="365125"/>
           </a:xfrm>
         </p:spPr>
         <p:txBody>
@@ -1140,6 +1147,7 @@
           <a:p>
             <a:fld id="{4CE482DC-2269-4F26-9D2A-7E44B1A4CD85}" type="slidenum">
               <a:rPr lang="en-US" smtClean="0"/>
+              <a:pPr/>
               <a:t>‹#›</a:t>
             </a:fld>
             <a:endParaRPr lang="en-US" dirty="0"/>
@@ -1149,7 +1157,7 @@
     </p:spTree>
     <p:extLst>
       <p:ext uri="{BB962C8B-B14F-4D97-AF65-F5344CB8AC3E}">
-        <p14:creationId xmlns:p14="http://schemas.microsoft.com/office/powerpoint/2010/main" val="2105465776"/>
+        <p14:creationId xmlns:p14="http://schemas.microsoft.com/office/powerpoint/2010/main" xmlns="" val="2105465776"/>
       </p:ext>
     </p:extLst>
   </p:cSld>
@@ -1186,8 +1194,8 @@
         </p:nvSpPr>
         <p:spPr>
           <a:xfrm>
-            <a:off x="447817" y="5141974"/>
-            <a:ext cx="11290860" cy="1258827"/>
+            <a:off x="335864" y="5141977"/>
+            <a:ext cx="8468145" cy="1258827"/>
           </a:xfrm>
           <a:prstGeom prst="rect">
             <a:avLst/>
@@ -1227,8 +1235,8 @@
         </p:nvSpPr>
         <p:spPr>
           <a:xfrm>
-            <a:off x="581193" y="3043910"/>
-            <a:ext cx="11029615" cy="1497507"/>
+            <a:off x="435897" y="3043913"/>
+            <a:ext cx="8272210" cy="1497507"/>
           </a:xfrm>
         </p:spPr>
         <p:txBody>
@@ -1265,8 +1273,8 @@
         </p:nvSpPr>
         <p:spPr>
           <a:xfrm>
-            <a:off x="581192" y="4541417"/>
-            <a:ext cx="11029615" cy="600556"/>
+            <a:off x="435896" y="4541417"/>
+            <a:ext cx="8272210" cy="600556"/>
           </a:xfrm>
         </p:spPr>
         <p:txBody>
@@ -1400,7 +1408,8 @@
           <a:p>
             <a:fld id="{96DFF08F-DC6B-4601-B491-B0F83F6DD2DA}" type="datetimeFigureOut">
               <a:rPr lang="en-US" smtClean="0"/>
-              <a:t>5/26/2013</a:t>
+              <a:pPr/>
+              <a:t>5/27/2013</a:t>
             </a:fld>
             <a:endParaRPr lang="en-US" dirty="0"/>
           </a:p>
@@ -1464,6 +1473,7 @@
           <a:p>
             <a:fld id="{4FAB73BC-B049-4115-A692-8D63A059BFB8}" type="slidenum">
               <a:rPr lang="en-US" smtClean="0"/>
+              <a:pPr/>
               <a:t>‹#›</a:t>
             </a:fld>
             <a:endParaRPr lang="en-US" dirty="0"/>
@@ -1473,7 +1483,7 @@
     </p:spTree>
     <p:extLst>
       <p:ext uri="{BB962C8B-B14F-4D97-AF65-F5344CB8AC3E}">
-        <p14:creationId xmlns:p14="http://schemas.microsoft.com/office/powerpoint/2010/main" val="775257107"/>
+        <p14:creationId xmlns:p14="http://schemas.microsoft.com/office/powerpoint/2010/main" xmlns="" val="775257107"/>
       </p:ext>
     </p:extLst>
   </p:cSld>
@@ -1510,8 +1520,8 @@
         </p:nvSpPr>
         <p:spPr>
           <a:xfrm>
-            <a:off x="445982" y="606554"/>
-            <a:ext cx="11300036" cy="1258827"/>
+            <a:off x="334487" y="606557"/>
+            <a:ext cx="8475027" cy="1258827"/>
           </a:xfrm>
           <a:prstGeom prst="rect">
             <a:avLst/>
@@ -1551,8 +1561,8 @@
         </p:nvSpPr>
         <p:spPr>
           <a:xfrm>
-            <a:off x="581193" y="729658"/>
-            <a:ext cx="11029616" cy="988332"/>
+            <a:off x="435896" y="729659"/>
+            <a:ext cx="8272212" cy="988332"/>
           </a:xfrm>
         </p:spPr>
         <p:txBody>
@@ -1579,8 +1589,8 @@
         </p:nvSpPr>
         <p:spPr>
           <a:xfrm>
-            <a:off x="581193" y="2228003"/>
-            <a:ext cx="5422390" cy="3633047"/>
+            <a:off x="435896" y="2228004"/>
+            <a:ext cx="4066792" cy="3633047"/>
           </a:xfrm>
         </p:spPr>
         <p:txBody>
@@ -1638,8 +1648,8 @@
         </p:nvSpPr>
         <p:spPr>
           <a:xfrm>
-            <a:off x="6188417" y="2228003"/>
-            <a:ext cx="5422392" cy="3633047"/>
+            <a:off x="4641313" y="2228004"/>
+            <a:ext cx="4066794" cy="3633047"/>
           </a:xfrm>
         </p:spPr>
         <p:txBody>
@@ -1702,7 +1712,8 @@
           <a:p>
             <a:fld id="{96DFF08F-DC6B-4601-B491-B0F83F6DD2DA}" type="datetimeFigureOut">
               <a:rPr lang="en-US" smtClean="0"/>
-              <a:t>5/26/2013</a:t>
+              <a:pPr/>
+              <a:t>5/27/2013</a:t>
             </a:fld>
             <a:endParaRPr lang="en-US" dirty="0"/>
           </a:p>
@@ -1744,6 +1755,7 @@
           <a:p>
             <a:fld id="{4FAB73BC-B049-4115-A692-8D63A059BFB8}" type="slidenum">
               <a:rPr lang="en-US" smtClean="0"/>
+              <a:pPr/>
               <a:t>‹#›</a:t>
             </a:fld>
             <a:endParaRPr lang="en-US" dirty="0"/>
@@ -1753,7 +1765,7 @@
     </p:spTree>
     <p:extLst>
       <p:ext uri="{BB962C8B-B14F-4D97-AF65-F5344CB8AC3E}">
-        <p14:creationId xmlns:p14="http://schemas.microsoft.com/office/powerpoint/2010/main" val="2638736280"/>
+        <p14:creationId xmlns:p14="http://schemas.microsoft.com/office/powerpoint/2010/main" xmlns="" val="2638736280"/>
       </p:ext>
     </p:extLst>
   </p:cSld>
@@ -1790,8 +1802,8 @@
         </p:nvSpPr>
         <p:spPr>
           <a:xfrm>
-            <a:off x="445982" y="606554"/>
-            <a:ext cx="11300036" cy="1258827"/>
+            <a:off x="334487" y="606557"/>
+            <a:ext cx="8475027" cy="1258827"/>
           </a:xfrm>
           <a:prstGeom prst="rect">
             <a:avLst/>
@@ -1831,8 +1843,8 @@
         </p:nvSpPr>
         <p:spPr>
           <a:xfrm>
-            <a:off x="581193" y="729658"/>
-            <a:ext cx="11029616" cy="988332"/>
+            <a:off x="435896" y="729659"/>
+            <a:ext cx="8272212" cy="988332"/>
           </a:xfrm>
         </p:spPr>
         <p:txBody>
@@ -1859,8 +1871,8 @@
         </p:nvSpPr>
         <p:spPr>
           <a:xfrm>
-            <a:off x="887219" y="2250892"/>
-            <a:ext cx="5087075" cy="536005"/>
+            <a:off x="665415" y="2250895"/>
+            <a:ext cx="3815307" cy="536005"/>
           </a:xfrm>
         </p:spPr>
         <p:txBody>
@@ -1930,8 +1942,8 @@
         </p:nvSpPr>
         <p:spPr>
           <a:xfrm>
-            <a:off x="581194" y="2926052"/>
-            <a:ext cx="5393100" cy="2934999"/>
+            <a:off x="435897" y="2926054"/>
+            <a:ext cx="4044825" cy="2934999"/>
           </a:xfrm>
         </p:spPr>
         <p:txBody>
@@ -1989,8 +2001,8 @@
         </p:nvSpPr>
         <p:spPr>
           <a:xfrm>
-            <a:off x="6523735" y="2250892"/>
-            <a:ext cx="5087073" cy="553373"/>
+            <a:off x="4892801" y="2250895"/>
+            <a:ext cx="3815306" cy="553373"/>
           </a:xfrm>
         </p:spPr>
         <p:txBody>
@@ -2060,8 +2072,8 @@
         </p:nvSpPr>
         <p:spPr>
           <a:xfrm>
-            <a:off x="6217709" y="2926052"/>
-            <a:ext cx="5393100" cy="2934999"/>
+            <a:off x="4663282" y="2926054"/>
+            <a:ext cx="4044825" cy="2934999"/>
           </a:xfrm>
         </p:spPr>
         <p:txBody>
@@ -2124,7 +2136,8 @@
           <a:p>
             <a:fld id="{96DFF08F-DC6B-4601-B491-B0F83F6DD2DA}" type="datetimeFigureOut">
               <a:rPr lang="en-US" smtClean="0"/>
-              <a:t>5/26/2013</a:t>
+              <a:pPr/>
+              <a:t>5/27/2013</a:t>
             </a:fld>
             <a:endParaRPr lang="en-US" dirty="0"/>
           </a:p>
@@ -2166,6 +2179,7 @@
           <a:p>
             <a:fld id="{4FAB73BC-B049-4115-A692-8D63A059BFB8}" type="slidenum">
               <a:rPr lang="en-US" smtClean="0"/>
+              <a:pPr/>
               <a:t>‹#›</a:t>
             </a:fld>
             <a:endParaRPr lang="en-US" dirty="0"/>
@@ -2175,7 +2189,7 @@
     </p:spTree>
     <p:extLst>
       <p:ext uri="{BB962C8B-B14F-4D97-AF65-F5344CB8AC3E}">
-        <p14:creationId xmlns:p14="http://schemas.microsoft.com/office/powerpoint/2010/main" val="3806923468"/>
+        <p14:creationId xmlns:p14="http://schemas.microsoft.com/office/powerpoint/2010/main" xmlns="" val="3806923468"/>
       </p:ext>
     </p:extLst>
   </p:cSld>
@@ -2219,7 +2233,8 @@
           <a:p>
             <a:fld id="{96DFF08F-DC6B-4601-B491-B0F83F6DD2DA}" type="datetimeFigureOut">
               <a:rPr lang="en-US" smtClean="0"/>
-              <a:t>5/26/2013</a:t>
+              <a:pPr/>
+              <a:t>5/27/2013</a:t>
             </a:fld>
             <a:endParaRPr lang="en-US" dirty="0"/>
           </a:p>
@@ -2261,6 +2276,7 @@
           <a:p>
             <a:fld id="{4FAB73BC-B049-4115-A692-8D63A059BFB8}" type="slidenum">
               <a:rPr lang="en-US" smtClean="0"/>
+              <a:pPr/>
               <a:t>‹#›</a:t>
             </a:fld>
             <a:endParaRPr lang="en-US" dirty="0"/>
@@ -2277,8 +2293,8 @@
         </p:nvSpPr>
         <p:spPr>
           <a:xfrm>
-            <a:off x="440683" y="606554"/>
-            <a:ext cx="11300036" cy="1258827"/>
+            <a:off x="330512" y="606557"/>
+            <a:ext cx="8475027" cy="1258827"/>
           </a:xfrm>
           <a:prstGeom prst="rect">
             <a:avLst/>
@@ -2318,8 +2334,8 @@
         </p:nvSpPr>
         <p:spPr>
           <a:xfrm>
-            <a:off x="575894" y="729658"/>
-            <a:ext cx="11029616" cy="988332"/>
+            <a:off x="431921" y="729659"/>
+            <a:ext cx="8272212" cy="988332"/>
           </a:xfrm>
         </p:spPr>
         <p:txBody>
@@ -2337,7 +2353,7 @@
     </p:spTree>
     <p:extLst>
       <p:ext uri="{BB962C8B-B14F-4D97-AF65-F5344CB8AC3E}">
-        <p14:creationId xmlns:p14="http://schemas.microsoft.com/office/powerpoint/2010/main" val="3572621062"/>
+        <p14:creationId xmlns:p14="http://schemas.microsoft.com/office/powerpoint/2010/main" xmlns="" val="3572621062"/>
       </p:ext>
     </p:extLst>
   </p:cSld>
@@ -2382,7 +2398,7 @@
             <a:fld id="{96DFF08F-DC6B-4601-B491-B0F83F6DD2DA}" type="datetimeFigureOut">
               <a:rPr lang="en-US" smtClean="0"/>
               <a:pPr/>
-              <a:t>5/26/2013</a:t>
+              <a:t>5/27/2013</a:t>
             </a:fld>
             <a:endParaRPr lang="en-US" dirty="0"/>
           </a:p>
@@ -2434,7 +2450,7 @@
     </p:spTree>
     <p:extLst>
       <p:ext uri="{BB962C8B-B14F-4D97-AF65-F5344CB8AC3E}">
-        <p14:creationId xmlns:p14="http://schemas.microsoft.com/office/powerpoint/2010/main" val="3416974468"/>
+        <p14:creationId xmlns:p14="http://schemas.microsoft.com/office/powerpoint/2010/main" xmlns="" val="3416974468"/>
       </p:ext>
     </p:extLst>
   </p:cSld>
@@ -2471,8 +2487,8 @@
         </p:nvSpPr>
         <p:spPr>
           <a:xfrm>
-            <a:off x="447817" y="5141973"/>
-            <a:ext cx="11298200" cy="1274702"/>
+            <a:off x="335864" y="5141973"/>
+            <a:ext cx="8473650" cy="1274702"/>
           </a:xfrm>
           <a:prstGeom prst="rect">
             <a:avLst/>
@@ -2512,8 +2528,8 @@
         </p:nvSpPr>
         <p:spPr>
           <a:xfrm>
-            <a:off x="581192" y="5262296"/>
-            <a:ext cx="4909445" cy="689514"/>
+            <a:off x="435896" y="5262296"/>
+            <a:ext cx="3682084" cy="689514"/>
           </a:xfrm>
         </p:spPr>
         <p:txBody>
@@ -2551,8 +2567,8 @@
         </p:nvSpPr>
         <p:spPr>
           <a:xfrm>
-            <a:off x="447816" y="601200"/>
-            <a:ext cx="11292840" cy="4204800"/>
+            <a:off x="335863" y="601200"/>
+            <a:ext cx="8469630" cy="4204800"/>
           </a:xfrm>
         </p:spPr>
         <p:txBody>
@@ -2674,8 +2690,8 @@
         </p:nvSpPr>
         <p:spPr>
           <a:xfrm>
-            <a:off x="5740823" y="5262296"/>
-            <a:ext cx="5869987" cy="689515"/>
+            <a:off x="4305618" y="5262299"/>
+            <a:ext cx="4402491" cy="689515"/>
           </a:xfrm>
         </p:spPr>
         <p:txBody>
@@ -2762,7 +2778,7 @@
             <a:fld id="{96DFF08F-DC6B-4601-B491-B0F83F6DD2DA}" type="datetimeFigureOut">
               <a:rPr lang="en-US" smtClean="0"/>
               <a:pPr/>
-              <a:t>5/26/2013</a:t>
+              <a:t>5/27/2013</a:t>
             </a:fld>
             <a:endParaRPr lang="en-US" dirty="0"/>
           </a:p>
@@ -2836,7 +2852,7 @@
     </p:spTree>
     <p:extLst>
       <p:ext uri="{BB962C8B-B14F-4D97-AF65-F5344CB8AC3E}">
-        <p14:creationId xmlns:p14="http://schemas.microsoft.com/office/powerpoint/2010/main" val="673020169"/>
+        <p14:creationId xmlns:p14="http://schemas.microsoft.com/office/powerpoint/2010/main" xmlns="" val="673020169"/>
       </p:ext>
     </p:extLst>
   </p:cSld>
@@ -2875,8 +2891,8 @@
         </p:nvSpPr>
         <p:spPr>
           <a:xfrm>
-            <a:off x="581193" y="4693389"/>
-            <a:ext cx="11029616" cy="566738"/>
+            <a:off x="435896" y="4693389"/>
+            <a:ext cx="8272212" cy="566738"/>
           </a:xfrm>
         </p:spPr>
         <p:txBody>
@@ -2913,8 +2929,8 @@
         </p:nvSpPr>
         <p:spPr>
           <a:xfrm>
-            <a:off x="447817" y="599725"/>
-            <a:ext cx="11290859" cy="3557252"/>
+            <a:off x="335864" y="599725"/>
+            <a:ext cx="8468144" cy="3557252"/>
           </a:xfrm>
         </p:spPr>
         <p:txBody>
@@ -2980,8 +2996,8 @@
         </p:nvSpPr>
         <p:spPr>
           <a:xfrm>
-            <a:off x="581192" y="5260127"/>
-            <a:ext cx="11029617" cy="598671"/>
+            <a:off x="435895" y="5260130"/>
+            <a:ext cx="8272214" cy="598671"/>
           </a:xfrm>
         </p:spPr>
         <p:txBody>
@@ -3052,7 +3068,8 @@
           <a:p>
             <a:fld id="{96DFF08F-DC6B-4601-B491-B0F83F6DD2DA}" type="datetimeFigureOut">
               <a:rPr lang="en-US" smtClean="0"/>
-              <a:t>5/26/2013</a:t>
+              <a:pPr/>
+              <a:t>5/27/2013</a:t>
             </a:fld>
             <a:endParaRPr lang="en-US" dirty="0"/>
           </a:p>
@@ -3094,6 +3111,7 @@
           <a:p>
             <a:fld id="{4FAB73BC-B049-4115-A692-8D63A059BFB8}" type="slidenum">
               <a:rPr lang="en-US" smtClean="0"/>
+              <a:pPr/>
               <a:t>‹#›</a:t>
             </a:fld>
             <a:endParaRPr lang="en-US" dirty="0"/>
@@ -3103,7 +3121,7 @@
     </p:spTree>
     <p:extLst>
       <p:ext uri="{BB962C8B-B14F-4D97-AF65-F5344CB8AC3E}">
-        <p14:creationId xmlns:p14="http://schemas.microsoft.com/office/powerpoint/2010/main" val="3549379900"/>
+        <p14:creationId xmlns:p14="http://schemas.microsoft.com/office/powerpoint/2010/main" xmlns="" val="3549379900"/>
       </p:ext>
     </p:extLst>
   </p:cSld>
@@ -3147,8 +3165,8 @@
         </p:nvSpPr>
         <p:spPr>
           <a:xfrm>
-            <a:off x="581192" y="705124"/>
-            <a:ext cx="11029616" cy="1189554"/>
+            <a:off x="435896" y="705125"/>
+            <a:ext cx="8272212" cy="1189554"/>
           </a:xfrm>
           <a:prstGeom prst="rect">
             <a:avLst/>
@@ -3180,8 +3198,8 @@
         </p:nvSpPr>
         <p:spPr>
           <a:xfrm>
-            <a:off x="581192" y="2336003"/>
-            <a:ext cx="11029616" cy="3522794"/>
+            <a:off x="435896" y="2336003"/>
+            <a:ext cx="8272212" cy="3522794"/>
           </a:xfrm>
           <a:prstGeom prst="rect">
             <a:avLst/>
@@ -3242,8 +3260,8 @@
         </p:nvSpPr>
         <p:spPr>
           <a:xfrm>
-            <a:off x="7605951" y="5956137"/>
-            <a:ext cx="2844799" cy="365125"/>
+            <a:off x="5704465" y="5956140"/>
+            <a:ext cx="2133598" cy="365125"/>
           </a:xfrm>
           <a:prstGeom prst="rect">
             <a:avLst/>
@@ -3264,7 +3282,7 @@
             <a:fld id="{96DFF08F-DC6B-4601-B491-B0F83F6DD2DA}" type="datetimeFigureOut">
               <a:rPr lang="en-US" smtClean="0"/>
               <a:pPr/>
-              <a:t>5/26/2013</a:t>
+              <a:t>5/27/2013</a:t>
             </a:fld>
             <a:endParaRPr lang="en-US" dirty="0"/>
           </a:p>
@@ -3282,8 +3300,8 @@
         </p:nvSpPr>
         <p:spPr>
           <a:xfrm>
-            <a:off x="581192" y="5951811"/>
-            <a:ext cx="6917210" cy="365125"/>
+            <a:off x="435895" y="5951814"/>
+            <a:ext cx="5187908" cy="365125"/>
           </a:xfrm>
           <a:prstGeom prst="rect">
             <a:avLst/>
@@ -3317,8 +3335,8 @@
         </p:nvSpPr>
         <p:spPr>
           <a:xfrm>
-            <a:off x="10558300" y="5956137"/>
-            <a:ext cx="1052510" cy="365125"/>
+            <a:off x="7918726" y="5956140"/>
+            <a:ext cx="789382" cy="365125"/>
           </a:xfrm>
           <a:prstGeom prst="rect">
             <a:avLst/>
@@ -3353,8 +3371,8 @@
         </p:nvSpPr>
         <p:spPr>
           <a:xfrm>
-            <a:off x="446534" y="457200"/>
-            <a:ext cx="3703320" cy="94997"/>
+            <a:off x="334901" y="457203"/>
+            <a:ext cx="2777490" cy="94997"/>
           </a:xfrm>
           <a:prstGeom prst="rect">
             <a:avLst/>
@@ -3390,8 +3408,8 @@
         </p:nvSpPr>
         <p:spPr>
           <a:xfrm>
-            <a:off x="8042147" y="453643"/>
-            <a:ext cx="3703320" cy="98554"/>
+            <a:off x="6031610" y="453644"/>
+            <a:ext cx="2777490" cy="98554"/>
           </a:xfrm>
           <a:prstGeom prst="rect">
             <a:avLst/>
@@ -3427,8 +3445,8 @@
         </p:nvSpPr>
         <p:spPr>
           <a:xfrm>
-            <a:off x="4241830" y="457200"/>
-            <a:ext cx="3703320" cy="91440"/>
+            <a:off x="3181373" y="457200"/>
+            <a:ext cx="2777490" cy="91440"/>
           </a:xfrm>
           <a:prstGeom prst="rect">
             <a:avLst/>
@@ -3459,7 +3477,7 @@
     </p:spTree>
     <p:extLst>
       <p:ext uri="{BB962C8B-B14F-4D97-AF65-F5344CB8AC3E}">
-        <p14:creationId xmlns:p14="http://schemas.microsoft.com/office/powerpoint/2010/main" val="1098586190"/>
+        <p14:creationId xmlns:p14="http://schemas.microsoft.com/office/powerpoint/2010/main" xmlns="" val="1098586190"/>
       </p:ext>
     </p:extLst>
   </p:cSld>
@@ -3878,8 +3896,8 @@
         </p:nvSpPr>
         <p:spPr>
           <a:xfrm>
-            <a:off x="581191" y="1020431"/>
-            <a:ext cx="10993549" cy="1246519"/>
+            <a:off x="435894" y="1020433"/>
+            <a:ext cx="8245161" cy="1246519"/>
           </a:xfrm>
         </p:spPr>
         <p:txBody>
@@ -3908,8 +3926,8 @@
         </p:nvSpPr>
         <p:spPr>
           <a:xfrm>
-            <a:off x="581194" y="2495445"/>
-            <a:ext cx="10993546" cy="3867255"/>
+            <a:off x="435896" y="2495448"/>
+            <a:ext cx="8245160" cy="3867255"/>
           </a:xfrm>
         </p:spPr>
         <p:txBody>
@@ -4043,7 +4061,7 @@
     </p:spTree>
     <p:extLst>
       <p:ext uri="{BB962C8B-B14F-4D97-AF65-F5344CB8AC3E}">
-        <p14:creationId xmlns:p14="http://schemas.microsoft.com/office/powerpoint/2010/main" val="120650217"/>
+        <p14:creationId xmlns:p14="http://schemas.microsoft.com/office/powerpoint/2010/main" xmlns="" val="120650217"/>
       </p:ext>
     </p:extLst>
   </p:cSld>
@@ -4051,7 +4069,7 @@
     <a:masterClrMapping/>
   </p:clrMapOvr>
   <mc:AlternateContent xmlns:mc="http://schemas.openxmlformats.org/markup-compatibility/2006">
-    <mc:Choice xmlns:p14="http://schemas.microsoft.com/office/powerpoint/2010/main" Requires="p14">
+    <mc:Choice xmlns:p14="http://schemas.microsoft.com/office/powerpoint/2010/main" xmlns="" Requires="p14">
       <p:transition spd="slow" p14:dur="2000"/>
     </mc:Choice>
     <mc:Fallback>
@@ -4097,8 +4115,8 @@
         </p:nvSpPr>
         <p:spPr>
           <a:xfrm>
-            <a:off x="581192" y="702157"/>
-            <a:ext cx="11029616" cy="802794"/>
+            <a:off x="435896" y="702157"/>
+            <a:ext cx="8272212" cy="802794"/>
           </a:xfrm>
         </p:spPr>
         <p:txBody>
@@ -4127,7 +4145,7 @@
           <a:blip r:embed="rId2">
             <a:extLst>
               <a:ext uri="{28A0092B-C50C-407E-A947-70E740481C1C}">
-                <a14:useLocalDpi xmlns:a14="http://schemas.microsoft.com/office/drawing/2010/main" val="0"/>
+                <a14:useLocalDpi xmlns:a14="http://schemas.microsoft.com/office/drawing/2010/main" xmlns="" val="0"/>
               </a:ext>
             </a:extLst>
           </a:blip>
@@ -4137,15 +4155,15 @@
         </p:blipFill>
         <p:spPr>
           <a:xfrm>
-            <a:off x="2085976" y="1806416"/>
-            <a:ext cx="7800974" cy="5070634"/>
+            <a:off x="866899" y="1806416"/>
+            <a:ext cx="7398327" cy="5070634"/>
           </a:xfrm>
         </p:spPr>
       </p:pic>
     </p:spTree>
     <p:extLst>
       <p:ext uri="{BB962C8B-B14F-4D97-AF65-F5344CB8AC3E}">
-        <p14:creationId xmlns:p14="http://schemas.microsoft.com/office/powerpoint/2010/main" val="3939587635"/>
+        <p14:creationId xmlns:p14="http://schemas.microsoft.com/office/powerpoint/2010/main" xmlns="" val="3939587635"/>
       </p:ext>
     </p:extLst>
   </p:cSld>
@@ -4191,8 +4209,8 @@
         </p:nvSpPr>
         <p:spPr>
           <a:xfrm>
-            <a:off x="581192" y="702157"/>
-            <a:ext cx="11029616" cy="802794"/>
+            <a:off x="435896" y="702157"/>
+            <a:ext cx="8272212" cy="802794"/>
           </a:xfrm>
         </p:spPr>
         <p:txBody>
@@ -4219,8 +4237,8 @@
         </p:nvSpPr>
         <p:spPr>
           <a:xfrm>
-            <a:off x="581192" y="2562225"/>
-            <a:ext cx="11029615" cy="3924300"/>
+            <a:off x="435896" y="2562225"/>
+            <a:ext cx="8272210" cy="3924300"/>
           </a:xfrm>
         </p:spPr>
         <p:txBody>
@@ -4339,7 +4357,7 @@
     </p:spTree>
     <p:extLst>
       <p:ext uri="{BB962C8B-B14F-4D97-AF65-F5344CB8AC3E}">
-        <p14:creationId xmlns:p14="http://schemas.microsoft.com/office/powerpoint/2010/main" val="2294906855"/>
+        <p14:creationId xmlns:p14="http://schemas.microsoft.com/office/powerpoint/2010/main" xmlns="" val="2294906855"/>
       </p:ext>
     </p:extLst>
   </p:cSld>
@@ -4385,8 +4403,8 @@
         </p:nvSpPr>
         <p:spPr>
           <a:xfrm>
-            <a:off x="581192" y="702157"/>
-            <a:ext cx="11029616" cy="802794"/>
+            <a:off x="435896" y="702157"/>
+            <a:ext cx="8272212" cy="802794"/>
           </a:xfrm>
         </p:spPr>
         <p:txBody>
@@ -4419,7 +4437,7 @@
           <a:blip r:embed="rId2">
             <a:extLst>
               <a:ext uri="{28A0092B-C50C-407E-A947-70E740481C1C}">
-                <a14:useLocalDpi xmlns:a14="http://schemas.microsoft.com/office/drawing/2010/main" val="0"/>
+                <a14:useLocalDpi xmlns:a14="http://schemas.microsoft.com/office/drawing/2010/main" xmlns="" val="0"/>
               </a:ext>
             </a:extLst>
           </a:blip>
@@ -4429,15 +4447,15 @@
         </p:blipFill>
         <p:spPr>
           <a:xfrm>
-            <a:off x="1133475" y="1881365"/>
-            <a:ext cx="10149852" cy="4976635"/>
+            <a:off x="850107" y="1881368"/>
+            <a:ext cx="7612389" cy="4976635"/>
           </a:xfrm>
         </p:spPr>
       </p:pic>
     </p:spTree>
     <p:extLst>
       <p:ext uri="{BB962C8B-B14F-4D97-AF65-F5344CB8AC3E}">
-        <p14:creationId xmlns:p14="http://schemas.microsoft.com/office/powerpoint/2010/main" val="2056456163"/>
+        <p14:creationId xmlns:p14="http://schemas.microsoft.com/office/powerpoint/2010/main" xmlns="" val="2056456163"/>
       </p:ext>
     </p:extLst>
   </p:cSld>
@@ -4483,8 +4501,8 @@
         </p:nvSpPr>
         <p:spPr>
           <a:xfrm>
-            <a:off x="581192" y="702157"/>
-            <a:ext cx="11029616" cy="802794"/>
+            <a:off x="435896" y="702157"/>
+            <a:ext cx="8272212" cy="802794"/>
           </a:xfrm>
         </p:spPr>
         <p:txBody>
@@ -4521,11 +4539,15 @@
             </a:pPr>
             <a:r>
               <a:rPr lang="en-US" sz="8800" dirty="0" smtClean="0"/>
-              <a:t>         </a:t>
+              <a:t>     </a:t>
             </a:r>
             <a:r>
               <a:rPr lang="en-US" sz="7200" dirty="0" smtClean="0"/>
-              <a:t>THANK YOU</a:t>
+              <a:t>THANK </a:t>
+            </a:r>
+            <a:r>
+              <a:rPr lang="en-US" sz="7200" dirty="0" smtClean="0"/>
+              <a:t>YOU</a:t>
             </a:r>
             <a:endParaRPr lang="en-US" sz="7200" dirty="0"/>
           </a:p>
@@ -4534,7 +4556,7 @@
     </p:spTree>
     <p:extLst>
       <p:ext uri="{BB962C8B-B14F-4D97-AF65-F5344CB8AC3E}">
-        <p14:creationId xmlns:p14="http://schemas.microsoft.com/office/powerpoint/2010/main" val="2251297508"/>
+        <p14:creationId xmlns:p14="http://schemas.microsoft.com/office/powerpoint/2010/main" xmlns="" val="2251297508"/>
       </p:ext>
     </p:extLst>
   </p:cSld>
@@ -4594,7 +4616,7 @@
     </a:clrScheme>
     <a:fontScheme name="Dividend">
       <a:majorFont>
-        <a:latin typeface="Gill Sans MT" panose="020B0502020104020203"/>
+        <a:latin typeface="Gill Sans MT"/>
         <a:ea typeface=""/>
         <a:cs typeface=""/>
         <a:font script="Grek" typeface="Corbel"/>
@@ -4631,7 +4653,7 @@
         <a:font script="Geor" typeface="Sylfaen"/>
       </a:majorFont>
       <a:minorFont>
-        <a:latin typeface="Gill Sans MT" panose="020B0502020104020203"/>
+        <a:latin typeface="Gill Sans MT"/>
         <a:ea typeface=""/>
         <a:cs typeface=""/>
         <a:font script="Grek" typeface="Corbel"/>
@@ -4814,7 +4836,7 @@
   <a:extraClrSchemeLst/>
   <a:extLst>
     <a:ext uri="{05A4C25C-085E-4340-85A3-A5531E510DB2}">
-      <thm15:themeFamily xmlns:thm15="http://schemas.microsoft.com/office/thememl/2012/main" name="Dividend" id="{9697A71B-4AB7-4A1A-BD5B-BB2D22835B57}" vid="{66F1C100-1D2B-4BEA-AD01-C4F230B3B965}"/>
+      <thm15:themeFamily xmlns:thm15="http://schemas.microsoft.com/office/thememl/2012/main" xmlns="" name="Dividend" id="{9697A71B-4AB7-4A1A-BD5B-BB2D22835B57}" vid="{66F1C100-1D2B-4BEA-AD01-C4F230B3B965}"/>
     </a:ext>
   </a:extLst>
 </a:theme>
